--- a/DP Project.pptx
+++ b/DP Project.pptx
@@ -5,7 +5,7 @@
     <p:sldMasterId id="2147483648" r:id="rId4"/>
   </p:sldMasterIdLst>
   <p:notesMasterIdLst>
-    <p:notesMasterId r:id="rId19"/>
+    <p:notesMasterId r:id="rId20"/>
   </p:notesMasterIdLst>
   <p:sldIdLst>
     <p:sldId id="272" r:id="rId5"/>
@@ -21,7 +21,8 @@
     <p:sldId id="285" r:id="rId15"/>
     <p:sldId id="286" r:id="rId16"/>
     <p:sldId id="287" r:id="rId17"/>
-    <p:sldId id="270" r:id="rId18"/>
+    <p:sldId id="288" r:id="rId18"/>
+    <p:sldId id="270" r:id="rId19"/>
   </p:sldIdLst>
   <p:sldSz cx="12192000" cy="6858000"/>
   <p:notesSz cx="6858000" cy="9144000"/>
@@ -35235,6 +35236,264 @@
       </p:grpSpPr>
       <p:sp>
         <p:nvSpPr>
+          <p:cNvPr id="31" name="Date Placeholder 30">
+            <a:extLst>
+              <a:ext uri="{FF2B5EF4-FFF2-40B4-BE49-F238E27FC236}">
+                <a16:creationId xmlns:a16="http://schemas.microsoft.com/office/drawing/2014/main" id="{3357F65D-3D58-480C-B301-77A72059929A}"/>
+              </a:ext>
+            </a:extLst>
+          </p:cNvPr>
+          <p:cNvSpPr>
+            <a:spLocks noGrp="1"/>
+          </p:cNvSpPr>
+          <p:nvPr>
+            <p:ph type="dt" sz="half" idx="10"/>
+          </p:nvPr>
+        </p:nvSpPr>
+        <p:spPr>
+          <a:xfrm>
+            <a:off x="258792" y="6356350"/>
+            <a:ext cx="3322608" cy="365125"/>
+          </a:xfrm>
+        </p:spPr>
+        <p:txBody>
+          <a:bodyPr vert="horz" lIns="91440" tIns="45720" rIns="91440" bIns="45720" rtlCol="0" anchor="ctr">
+            <a:normAutofit/>
+          </a:bodyPr>
+          <a:lstStyle/>
+          <a:p>
+            <a:pPr>
+              <a:spcAft>
+                <a:spcPts val="600"/>
+              </a:spcAft>
+            </a:pPr>
+            <a:r>
+              <a:rPr lang="en-US" b="1" kern="1200" spc="100" baseline="0">
+                <a:latin typeface="+mn-lt"/>
+                <a:ea typeface="+mn-ea"/>
+                <a:cs typeface="+mn-cs"/>
+              </a:rPr>
+              <a:t>2023</a:t>
+            </a:r>
+          </a:p>
+        </p:txBody>
+      </p:sp>
+      <p:sp>
+        <p:nvSpPr>
+          <p:cNvPr id="32" name="Footer Placeholder 31">
+            <a:extLst>
+              <a:ext uri="{FF2B5EF4-FFF2-40B4-BE49-F238E27FC236}">
+                <a16:creationId xmlns:a16="http://schemas.microsoft.com/office/drawing/2014/main" id="{E8F197E9-9EE5-4C27-93B9-2E44E0ED5AC3}"/>
+              </a:ext>
+            </a:extLst>
+          </p:cNvPr>
+          <p:cNvSpPr>
+            <a:spLocks noGrp="1"/>
+          </p:cNvSpPr>
+          <p:nvPr>
+            <p:ph type="ftr" sz="quarter" idx="11"/>
+          </p:nvPr>
+        </p:nvSpPr>
+        <p:spPr>
+          <a:xfrm>
+            <a:off x="3581399" y="6356350"/>
+            <a:ext cx="5029203" cy="365125"/>
+          </a:xfrm>
+        </p:spPr>
+        <p:txBody>
+          <a:bodyPr vert="horz" lIns="91440" tIns="45720" rIns="91440" bIns="45720" rtlCol="0" anchor="ctr">
+            <a:normAutofit/>
+          </a:bodyPr>
+          <a:lstStyle/>
+          <a:p>
+            <a:pPr>
+              <a:spcAft>
+                <a:spcPts val="600"/>
+              </a:spcAft>
+            </a:pPr>
+            <a:r>
+              <a:rPr lang="en-US" b="1" kern="1200" cap="all" spc="400" baseline="0">
+                <a:latin typeface="+mn-lt"/>
+                <a:ea typeface="+mn-ea"/>
+                <a:cs typeface="+mn-cs"/>
+              </a:rPr>
+              <a:t>Presentation</a:t>
+            </a:r>
+          </a:p>
+        </p:txBody>
+      </p:sp>
+      <p:sp>
+        <p:nvSpPr>
+          <p:cNvPr id="33" name="Slide Number Placeholder 32">
+            <a:extLst>
+              <a:ext uri="{FF2B5EF4-FFF2-40B4-BE49-F238E27FC236}">
+                <a16:creationId xmlns:a16="http://schemas.microsoft.com/office/drawing/2014/main" id="{8D0E8400-C1CB-4DB2-BF78-421C9EECDC76}"/>
+              </a:ext>
+            </a:extLst>
+          </p:cNvPr>
+          <p:cNvSpPr>
+            <a:spLocks noGrp="1"/>
+          </p:cNvSpPr>
+          <p:nvPr>
+            <p:ph type="sldNum" sz="quarter" idx="12"/>
+          </p:nvPr>
+        </p:nvSpPr>
+        <p:spPr>
+          <a:xfrm>
+            <a:off x="10518474" y="6356350"/>
+            <a:ext cx="1414733" cy="365125"/>
+          </a:xfrm>
+        </p:spPr>
+        <p:txBody>
+          <a:bodyPr vert="horz" lIns="91440" tIns="45720" rIns="91440" bIns="45720" rtlCol="0" anchor="ctr">
+            <a:normAutofit/>
+          </a:bodyPr>
+          <a:lstStyle/>
+          <a:p>
+            <a:pPr>
+              <a:spcAft>
+                <a:spcPts val="600"/>
+              </a:spcAft>
+            </a:pPr>
+            <a:fld id="{AE208ADF-3ADD-483D-A721-14E3EEE2C135}" type="slidenum">
+              <a:rPr lang="en-US" smtClean="0"/>
+              <a:pPr>
+                <a:spcAft>
+                  <a:spcPts val="600"/>
+                </a:spcAft>
+              </a:pPr>
+              <a:t>14</a:t>
+            </a:fld>
+            <a:endParaRPr lang="en-US"/>
+          </a:p>
+        </p:txBody>
+      </p:sp>
+      <p:sp>
+        <p:nvSpPr>
+          <p:cNvPr id="2" name="Title 1">
+            <a:extLst>
+              <a:ext uri="{FF2B5EF4-FFF2-40B4-BE49-F238E27FC236}">
+                <a16:creationId xmlns:a16="http://schemas.microsoft.com/office/drawing/2014/main" id="{1312D9BD-DC27-46DC-9C76-8EE3FDD420FD}"/>
+              </a:ext>
+            </a:extLst>
+          </p:cNvPr>
+          <p:cNvSpPr>
+            <a:spLocks noGrp="1"/>
+          </p:cNvSpPr>
+          <p:nvPr>
+            <p:ph type="ctrTitle"/>
+          </p:nvPr>
+        </p:nvSpPr>
+        <p:spPr>
+          <a:xfrm>
+            <a:off x="258792" y="397281"/>
+            <a:ext cx="3071005" cy="3051391"/>
+          </a:xfrm>
+        </p:spPr>
+        <p:txBody>
+          <a:bodyPr vert="horz" lIns="91440" tIns="45720" rIns="91440" bIns="45720" rtlCol="0" anchor="b">
+            <a:normAutofit/>
+          </a:bodyPr>
+          <a:lstStyle/>
+          <a:p>
+            <a:pPr>
+              <a:spcAft>
+                <a:spcPts val="800"/>
+              </a:spcAft>
+              <a:tabLst>
+                <a:tab pos="3370263" algn="l"/>
+              </a:tabLst>
+            </a:pPr>
+            <a:r>
+              <a:rPr lang="en-US" b="1" kern="1200" dirty="0">
+                <a:solidFill>
+                  <a:schemeClr val="tx2">
+                    <a:alpha val="75000"/>
+                  </a:schemeClr>
+                </a:solidFill>
+                <a:effectLst/>
+                <a:latin typeface="+mj-lt"/>
+                <a:ea typeface="+mj-ea"/>
+                <a:cs typeface="+mj-cs"/>
+              </a:rPr>
+              <a:t>Database</a:t>
+            </a:r>
+            <a:endParaRPr lang="en-US" kern="1200" dirty="0">
+              <a:solidFill>
+                <a:schemeClr val="tx2">
+                  <a:alpha val="75000"/>
+                </a:schemeClr>
+              </a:solidFill>
+              <a:effectLst/>
+              <a:latin typeface="+mj-lt"/>
+              <a:ea typeface="+mj-ea"/>
+              <a:cs typeface="+mj-cs"/>
+            </a:endParaRPr>
+          </a:p>
+        </p:txBody>
+      </p:sp>
+      <p:pic>
+        <p:nvPicPr>
+          <p:cNvPr id="5" name="Picture 4" descr="A screenshot of a computer&#10;&#10;Description automatically generated">
+            <a:extLst>
+              <a:ext uri="{FF2B5EF4-FFF2-40B4-BE49-F238E27FC236}">
+                <a16:creationId xmlns:a16="http://schemas.microsoft.com/office/drawing/2014/main" id="{31AAF925-5BFF-0AED-66BB-BB2AB2965B4C}"/>
+              </a:ext>
+            </a:extLst>
+          </p:cNvPr>
+          <p:cNvPicPr>
+            <a:picLocks noChangeAspect="1"/>
+          </p:cNvPicPr>
+          <p:nvPr/>
+        </p:nvPicPr>
+        <p:blipFill>
+          <a:blip r:embed="rId2"/>
+          <a:stretch>
+            <a:fillRect/>
+          </a:stretch>
+        </p:blipFill>
+        <p:spPr>
+          <a:xfrm>
+            <a:off x="2968448" y="944081"/>
+            <a:ext cx="8964759" cy="4969838"/>
+          </a:xfrm>
+          <a:prstGeom prst="rect">
+            <a:avLst/>
+          </a:prstGeom>
+        </p:spPr>
+      </p:pic>
+    </p:spTree>
+    <p:extLst>
+      <p:ext uri="{BB962C8B-B14F-4D97-AF65-F5344CB8AC3E}">
+        <p14:creationId xmlns:p14="http://schemas.microsoft.com/office/powerpoint/2010/main" val="1856176896"/>
+      </p:ext>
+    </p:extLst>
+  </p:cSld>
+  <p:clrMapOvr>
+    <a:masterClrMapping/>
+  </p:clrMapOvr>
+</p:sld>
+</file>
+
+<file path=ppt/slides/slide15.xml><?xml version="1.0" encoding="utf-8"?>
+<p:sld xmlns:a="http://schemas.openxmlformats.org/drawingml/2006/main" xmlns:r="http://schemas.openxmlformats.org/officeDocument/2006/relationships" xmlns:p="http://schemas.openxmlformats.org/presentationml/2006/main">
+  <p:cSld>
+    <p:spTree>
+      <p:nvGrpSpPr>
+        <p:cNvPr id="1" name=""/>
+        <p:cNvGrpSpPr/>
+        <p:nvPr/>
+      </p:nvGrpSpPr>
+      <p:grpSpPr>
+        <a:xfrm>
+          <a:off x="0" y="0"/>
+          <a:ext cx="0" cy="0"/>
+          <a:chOff x="0" y="0"/>
+          <a:chExt cx="0" cy="0"/>
+        </a:xfrm>
+      </p:grpSpPr>
+      <p:sp>
+        <p:nvSpPr>
           <p:cNvPr id="2" name="Title 1">
             <a:extLst>
               <a:ext uri="{FF2B5EF4-FFF2-40B4-BE49-F238E27FC236}">
@@ -35477,7 +35736,7 @@
             <a:fld id="{AE208ADF-3ADD-483D-A721-14E3EEE2C135}" type="slidenum">
               <a:rPr lang="en-US" smtClean="0"/>
               <a:pPr/>
-              <a:t>14</a:t>
+              <a:t>15</a:t>
             </a:fld>
             <a:endParaRPr lang="en-US" dirty="0"/>
           </a:p>
@@ -40974,25 +41233,6 @@
 </file>
 
 <file path=customXml/item1.xml><?xml version="1.0" encoding="utf-8"?>
-<p:properties xmlns:p="http://schemas.microsoft.com/office/2006/metadata/properties" xmlns:xsi="http://www.w3.org/2001/XMLSchema-instance" xmlns:pc="http://schemas.microsoft.com/office/infopath/2007/PartnerControls">
-  <documentManagement>
-    <Status xmlns="71af3243-3dd4-4a8d-8c0d-dd76da1f02a5">Not started</Status>
-    <_ip_UnifiedCompliancePolicyUIAction xmlns="http://schemas.microsoft.com/sharepoint/v3" xsi:nil="true"/>
-    <Image xmlns="71af3243-3dd4-4a8d-8c0d-dd76da1f02a5">
-      <Url xsi:nil="true"/>
-      <Description xsi:nil="true"/>
-    </Image>
-    <_ip_UnifiedCompliancePolicyProperties xmlns="http://schemas.microsoft.com/sharepoint/v3" xsi:nil="true"/>
-    <ImageTagsTaxHTField xmlns="71af3243-3dd4-4a8d-8c0d-dd76da1f02a5">
-      <Terms xmlns="http://schemas.microsoft.com/office/infopath/2007/PartnerControls"/>
-    </ImageTagsTaxHTField>
-    <TaxCatchAll xmlns="230e9df3-be65-4c73-a93b-d1236ebd677e"/>
-    <MediaServiceKeyPoints xmlns="71af3243-3dd4-4a8d-8c0d-dd76da1f02a5" xsi:nil="true"/>
-  </documentManagement>
-</p:properties>
-</file>
-
-<file path=customXml/item2.xml><?xml version="1.0" encoding="utf-8"?>
 <ct:contentTypeSchema xmlns:ct="http://schemas.microsoft.com/office/2006/metadata/contentType" xmlns:ma="http://schemas.microsoft.com/office/2006/metadata/properties/metaAttributes" ct:_="" ma:_="" ma:contentTypeName="Document" ma:contentTypeID="0x01010079F111ED35F8CC479449609E8A0923A6" ma:contentTypeVersion="20" ma:contentTypeDescription="Create a new document." ma:contentTypeScope="" ma:versionID="1267097ee5f5874adfcc408041ae252e">
   <xsd:schema xmlns:xsd="http://www.w3.org/2001/XMLSchema" xmlns:xs="http://www.w3.org/2001/XMLSchema" xmlns:p="http://schemas.microsoft.com/office/2006/metadata/properties" xmlns:ns1="http://schemas.microsoft.com/sharepoint/v3" xmlns:ns2="71af3243-3dd4-4a8d-8c0d-dd76da1f02a5" xmlns:ns3="16c05727-aa75-4e4a-9b5f-8a80a1165891" xmlns:ns4="230e9df3-be65-4c73-a93b-d1236ebd677e" targetNamespace="http://schemas.microsoft.com/office/2006/metadata/properties" ma:root="true" ma:fieldsID="395891a93df65b14727750f2c06c306c" ns1:_="" ns2:_="" ns3:_="" ns4:_="">
     <xsd:import namespace="http://schemas.microsoft.com/sharepoint/v3"/>
@@ -41268,6 +41508,25 @@
 </ct:contentTypeSchema>
 </file>
 
+<file path=customXml/item2.xml><?xml version="1.0" encoding="utf-8"?>
+<p:properties xmlns:p="http://schemas.microsoft.com/office/2006/metadata/properties" xmlns:xsi="http://www.w3.org/2001/XMLSchema-instance" xmlns:pc="http://schemas.microsoft.com/office/infopath/2007/PartnerControls">
+  <documentManagement>
+    <Status xmlns="71af3243-3dd4-4a8d-8c0d-dd76da1f02a5">Not started</Status>
+    <_ip_UnifiedCompliancePolicyUIAction xmlns="http://schemas.microsoft.com/sharepoint/v3" xsi:nil="true"/>
+    <Image xmlns="71af3243-3dd4-4a8d-8c0d-dd76da1f02a5">
+      <Url xsi:nil="true"/>
+      <Description xsi:nil="true"/>
+    </Image>
+    <_ip_UnifiedCompliancePolicyProperties xmlns="http://schemas.microsoft.com/sharepoint/v3" xsi:nil="true"/>
+    <ImageTagsTaxHTField xmlns="71af3243-3dd4-4a8d-8c0d-dd76da1f02a5">
+      <Terms xmlns="http://schemas.microsoft.com/office/infopath/2007/PartnerControls"/>
+    </ImageTagsTaxHTField>
+    <TaxCatchAll xmlns="230e9df3-be65-4c73-a93b-d1236ebd677e"/>
+    <MediaServiceKeyPoints xmlns="71af3243-3dd4-4a8d-8c0d-dd76da1f02a5" xsi:nil="true"/>
+  </documentManagement>
+</p:properties>
+</file>
+
 <file path=customXml/item3.xml><?xml version="1.0" encoding="utf-8"?>
 <?mso-contentType ?>
 <FormTemplates xmlns="http://schemas.microsoft.com/sharepoint/v3/contenttype/forms">
@@ -41278,18 +41537,6 @@
 </file>
 
 <file path=customXml/itemProps1.xml><?xml version="1.0" encoding="utf-8"?>
-<ds:datastoreItem xmlns:ds="http://schemas.openxmlformats.org/officeDocument/2006/customXml" ds:itemID="{0E506F55-A469-454B-8FCA-6F8BCF9DAA6B}">
-  <ds:schemaRefs>
-    <ds:schemaRef ds:uri="http://schemas.microsoft.com/office/2006/metadata/properties"/>
-    <ds:schemaRef ds:uri="http://schemas.microsoft.com/office/infopath/2007/PartnerControls"/>
-    <ds:schemaRef ds:uri="71af3243-3dd4-4a8d-8c0d-dd76da1f02a5"/>
-    <ds:schemaRef ds:uri="http://schemas.microsoft.com/sharepoint/v3"/>
-    <ds:schemaRef ds:uri="230e9df3-be65-4c73-a93b-d1236ebd677e"/>
-  </ds:schemaRefs>
-</ds:datastoreItem>
-</file>
-
-<file path=customXml/itemProps2.xml><?xml version="1.0" encoding="utf-8"?>
 <ds:datastoreItem xmlns:ds="http://schemas.openxmlformats.org/officeDocument/2006/customXml" ds:itemID="{5590CBB4-731C-4440-BC54-D2076F57C87A}">
   <ds:schemaRefs>
     <ds:schemaRef ds:uri="http://schemas.microsoft.com/office/2006/metadata/contentType"/>
@@ -41310,6 +41557,18 @@
 </ds:datastoreItem>
 </file>
 
+<file path=customXml/itemProps2.xml><?xml version="1.0" encoding="utf-8"?>
+<ds:datastoreItem xmlns:ds="http://schemas.openxmlformats.org/officeDocument/2006/customXml" ds:itemID="{0E506F55-A469-454B-8FCA-6F8BCF9DAA6B}">
+  <ds:schemaRefs>
+    <ds:schemaRef ds:uri="http://schemas.microsoft.com/office/2006/metadata/properties"/>
+    <ds:schemaRef ds:uri="http://schemas.microsoft.com/office/infopath/2007/PartnerControls"/>
+    <ds:schemaRef ds:uri="71af3243-3dd4-4a8d-8c0d-dd76da1f02a5"/>
+    <ds:schemaRef ds:uri="http://schemas.microsoft.com/sharepoint/v3"/>
+    <ds:schemaRef ds:uri="230e9df3-be65-4c73-a93b-d1236ebd677e"/>
+  </ds:schemaRefs>
+</ds:datastoreItem>
+</file>
+
 <file path=customXml/itemProps3.xml><?xml version="1.0" encoding="utf-8"?>
 <ds:datastoreItem xmlns:ds="http://schemas.openxmlformats.org/officeDocument/2006/customXml" ds:itemID="{8C0CC34A-D535-41BC-8B48-A0E1EA32D7E8}">
   <ds:schemaRefs>
